--- a/Pres/Patterns/Proxy.pptx
+++ b/Pres/Patterns/Proxy.pptx
@@ -8,7 +8,7 @@
     <p:sldId id="271" r:id="rId2"/>
     <p:sldId id="437" r:id="rId3"/>
     <p:sldId id="477" r:id="rId4"/>
-    <p:sldId id="436" r:id="rId5"/>
+    <p:sldId id="481" r:id="rId5"/>
     <p:sldId id="444" r:id="rId6"/>
     <p:sldId id="446" r:id="rId7"/>
     <p:sldId id="455" r:id="rId8"/>
@@ -31,7 +31,10 @@
     <p:sldId id="473" r:id="rId25"/>
     <p:sldId id="474" r:id="rId26"/>
     <p:sldId id="475" r:id="rId27"/>
-    <p:sldId id="476" r:id="rId28"/>
+    <p:sldId id="478" r:id="rId28"/>
+    <p:sldId id="480" r:id="rId29"/>
+    <p:sldId id="479" r:id="rId30"/>
+    <p:sldId id="476" r:id="rId31"/>
   </p:sldIdLst>
   <p:sldSz cx="12192000" cy="6858000"/>
   <p:notesSz cx="6858000" cy="9144000"/>
@@ -10087,123 +10090,154 @@
       </p:grpSpPr>
       <p:sp>
         <p:nvSpPr>
-          <p:cNvPr id="2" name="Titel 1"/>
-          <p:cNvSpPr>
-            <a:spLocks noGrp="1"/>
-          </p:cNvSpPr>
-          <p:nvPr>
-            <p:ph type="title"/>
-          </p:nvPr>
-        </p:nvSpPr>
-        <p:spPr/>
-        <p:txBody>
-          <a:bodyPr/>
-          <a:lstStyle/>
-          <a:p>
-            <a:r>
-              <a:rPr lang="da-DK" b="1" smtClean="0"/>
-              <a:t>Proxy vs. Decorator</a:t>
-            </a:r>
-            <a:endParaRPr lang="da-DK" b="1"/>
-          </a:p>
-        </p:txBody>
-      </p:sp>
-      <p:sp>
-        <p:nvSpPr>
-          <p:cNvPr id="3" name="Pladsholder til indhold 2"/>
-          <p:cNvSpPr>
-            <a:spLocks noGrp="1"/>
-          </p:cNvSpPr>
-          <p:nvPr>
-            <p:ph idx="1"/>
-          </p:nvPr>
+          <p:cNvPr id="4" name="Afrundet rektangel 3"/>
+          <p:cNvSpPr/>
+          <p:nvPr/>
         </p:nvSpPr>
         <p:spPr>
           <a:xfrm>
-            <a:off x="838200" y="1825625"/>
-            <a:ext cx="5914813" cy="4351338"/>
+            <a:off x="2822210" y="2589773"/>
+            <a:ext cx="2400614" cy="1623012"/>
           </a:xfrm>
+          <a:prstGeom prst="roundRect">
+            <a:avLst/>
+          </a:prstGeom>
+          <a:solidFill>
+            <a:schemeClr val="accent6">
+              <a:lumMod val="75000"/>
+            </a:schemeClr>
+          </a:solidFill>
         </p:spPr>
+        <p:style>
+          <a:lnRef idx="2">
+            <a:schemeClr val="accent1">
+              <a:shade val="50000"/>
+            </a:schemeClr>
+          </a:lnRef>
+          <a:fillRef idx="1">
+            <a:schemeClr val="accent1"/>
+          </a:fillRef>
+          <a:effectRef idx="0">
+            <a:schemeClr val="accent1"/>
+          </a:effectRef>
+          <a:fontRef idx="minor">
+            <a:schemeClr val="lt1"/>
+          </a:fontRef>
+        </p:style>
         <p:txBody>
-          <a:bodyPr>
-            <a:normAutofit/>
-          </a:bodyPr>
+          <a:bodyPr rtlCol="0" anchor="t"/>
           <a:lstStyle/>
           <a:p>
-            <a:r>
-              <a:rPr lang="da-DK" sz="2400" smtClean="0"/>
-              <a:t>Both implement </a:t>
-            </a:r>
-            <a:r>
-              <a:rPr lang="da-DK" sz="2400" b="1" smtClean="0"/>
-              <a:t>same interface </a:t>
-            </a:r>
-            <a:r>
-              <a:rPr lang="da-DK" sz="2400" smtClean="0"/>
-              <a:t>as subject</a:t>
-            </a:r>
-          </a:p>
-          <a:p>
-            <a:r>
-              <a:rPr lang="da-DK" sz="2400" b="1" smtClean="0"/>
-              <a:t>Proxy</a:t>
-            </a:r>
-            <a:r>
-              <a:rPr lang="da-DK" sz="2400" smtClean="0"/>
-              <a:t>: will often be responsible for </a:t>
-            </a:r>
-            <a:r>
-              <a:rPr lang="da-DK" sz="2400" b="1" smtClean="0"/>
-              <a:t>object creation</a:t>
-            </a:r>
-            <a:r>
-              <a:rPr lang="da-DK" sz="2400" smtClean="0"/>
-              <a:t>, either directly or through a factory</a:t>
-            </a:r>
-          </a:p>
-          <a:p>
-            <a:r>
-              <a:rPr lang="da-DK" sz="2400" b="1" smtClean="0"/>
-              <a:t>Decorator</a:t>
-            </a:r>
-            <a:r>
-              <a:rPr lang="da-DK" sz="2400" smtClean="0"/>
-              <a:t>:  will receive an </a:t>
-            </a:r>
-            <a:r>
-              <a:rPr lang="da-DK" sz="2400" b="1" smtClean="0"/>
-              <a:t>already created object </a:t>
-            </a:r>
-            <a:r>
-              <a:rPr lang="da-DK" sz="2400" smtClean="0"/>
-              <a:t>for ”decoration”</a:t>
-            </a:r>
-          </a:p>
-          <a:p>
-            <a:r>
-              <a:rPr lang="da-DK" sz="2400" smtClean="0"/>
-              <a:t>Decorator offers more flexibility w.r.t. run-time configuration</a:t>
-            </a:r>
-          </a:p>
-          <a:p>
-            <a:r>
-              <a:rPr lang="da-DK" sz="2400" smtClean="0"/>
-              <a:t>Scope for Decorator is smaller – no control over object creation</a:t>
-            </a:r>
-            <a:endParaRPr lang="da-DK" sz="2400"/>
+            <a:pPr algn="ctr"/>
+            <a:r>
+              <a:rPr lang="da-DK" sz="3600" smtClean="0"/>
+              <a:t>Client</a:t>
+            </a:r>
+          </a:p>
+        </p:txBody>
+      </p:sp>
+      <p:cxnSp>
+        <p:nvCxnSpPr>
+          <p:cNvPr id="16" name="Vinklet forbindelse 2"/>
+          <p:cNvCxnSpPr/>
+          <p:nvPr/>
+        </p:nvCxnSpPr>
+        <p:spPr>
+          <a:xfrm>
+            <a:off x="5222824" y="3401279"/>
+            <a:ext cx="1256985" cy="0"/>
+          </a:xfrm>
+          <a:prstGeom prst="straightConnector1">
+            <a:avLst/>
+          </a:prstGeom>
+          <a:ln w="76200">
+            <a:solidFill>
+              <a:schemeClr val="bg1">
+                <a:lumMod val="50000"/>
+              </a:schemeClr>
+            </a:solidFill>
+            <a:prstDash val="sysDot"/>
+            <a:headEnd w="lg" len="lg"/>
+            <a:tailEnd type="arrow" w="lg" len="lg"/>
+          </a:ln>
+        </p:spPr>
+        <p:style>
+          <a:lnRef idx="1">
+            <a:schemeClr val="accent1"/>
+          </a:lnRef>
+          <a:fillRef idx="0">
+            <a:schemeClr val="accent1"/>
+          </a:fillRef>
+          <a:effectRef idx="0">
+            <a:schemeClr val="accent1"/>
+          </a:effectRef>
+          <a:fontRef idx="minor">
+            <a:schemeClr val="tx1"/>
+          </a:fontRef>
+        </p:style>
+      </p:cxnSp>
+      <p:sp>
+        <p:nvSpPr>
+          <p:cNvPr id="6" name="Afrundet rektangel 5"/>
+          <p:cNvSpPr/>
+          <p:nvPr/>
+        </p:nvSpPr>
+        <p:spPr>
+          <a:xfrm>
+            <a:off x="6479809" y="2972082"/>
+            <a:ext cx="1800460" cy="918098"/>
+          </a:xfrm>
+          <a:prstGeom prst="roundRect">
+            <a:avLst/>
+          </a:prstGeom>
+          <a:solidFill>
+            <a:srgbClr val="0070C0">
+              <a:alpha val="40000"/>
+            </a:srgbClr>
+          </a:solidFill>
+        </p:spPr>
+        <p:style>
+          <a:lnRef idx="2">
+            <a:schemeClr val="accent1">
+              <a:shade val="50000"/>
+            </a:schemeClr>
+          </a:lnRef>
+          <a:fillRef idx="1">
+            <a:schemeClr val="accent1"/>
+          </a:fillRef>
+          <a:effectRef idx="0">
+            <a:schemeClr val="accent1"/>
+          </a:effectRef>
+          <a:fontRef idx="minor">
+            <a:schemeClr val="lt1"/>
+          </a:fontRef>
+        </p:style>
+        <p:txBody>
+          <a:bodyPr rtlCol="0" anchor="t"/>
+          <a:lstStyle/>
+          <a:p>
+            <a:pPr algn="ctr"/>
+            <a:r>
+              <a:rPr lang="da-DK" sz="3600" smtClean="0">
+                <a:solidFill>
+                  <a:srgbClr val="FFFF00"/>
+                </a:solidFill>
+              </a:rPr>
+              <a:t>ISubject</a:t>
+            </a:r>
           </a:p>
         </p:txBody>
       </p:sp>
       <p:pic>
         <p:nvPicPr>
-          <p:cNvPr id="2050" name="Picture 2" descr="Billedresultat for sibling dogs"/>
+          <p:cNvPr id="12" name="Picture 2" descr="Billedresultat for lab flask icon"/>
           <p:cNvPicPr>
             <a:picLocks noChangeAspect="1" noChangeArrowheads="1"/>
           </p:cNvPicPr>
           <p:nvPr/>
         </p:nvPicPr>
         <p:blipFill>
-          <a:blip r:embed="rId2">
+          <a:blip r:embed="rId2" cstate="print">
             <a:extLst>
               <a:ext uri="{28A0092B-C50C-407E-A947-70E740481C1C}">
                 <a14:useLocalDpi xmlns:a14="http://schemas.microsoft.com/office/drawing/2010/main" val="0"/>
@@ -10217,8 +10251,8 @@
         </p:blipFill>
         <p:spPr bwMode="auto">
           <a:xfrm>
-            <a:off x="7291327" y="0"/>
-            <a:ext cx="4900673" cy="6858000"/>
+            <a:off x="9987446" y="2305037"/>
+            <a:ext cx="1800000" cy="1800000"/>
           </a:xfrm>
           <a:prstGeom prst="rect">
             <a:avLst/>
@@ -10238,13 +10272,601 @@
     </p:spTree>
     <p:extLst>
       <p:ext uri="{BB962C8B-B14F-4D97-AF65-F5344CB8AC3E}">
-        <p14:creationId xmlns:p14="http://schemas.microsoft.com/office/powerpoint/2010/main" val="869177863"/>
+        <p14:creationId xmlns:p14="http://schemas.microsoft.com/office/powerpoint/2010/main" val="3757428778"/>
       </p:ext>
     </p:extLst>
   </p:cSld>
   <p:clrMapOvr>
     <a:masterClrMapping/>
   </p:clrMapOvr>
+  <mc:AlternateContent xmlns:mc="http://schemas.openxmlformats.org/markup-compatibility/2006" xmlns:p14="http://schemas.microsoft.com/office/powerpoint/2010/main">
+    <mc:Choice Requires="p14">
+      <p:transition spd="med" p14:dur="700">
+        <p:fade/>
+      </p:transition>
+    </mc:Choice>
+    <mc:Fallback xmlns="">
+      <p:transition spd="med">
+        <p:fade/>
+      </p:transition>
+    </mc:Fallback>
+  </mc:AlternateContent>
+  <p:timing>
+    <p:tnLst>
+      <p:par>
+        <p:cTn id="1" dur="indefinite" restart="never" nodeType="tmRoot"/>
+      </p:par>
+    </p:tnLst>
+  </p:timing>
+</p:sld>
+</file>
+
+<file path=ppt/slides/slide28.xml><?xml version="1.0" encoding="utf-8"?>
+<p:sld xmlns:a="http://schemas.openxmlformats.org/drawingml/2006/main" xmlns:r="http://schemas.openxmlformats.org/officeDocument/2006/relationships" xmlns:p="http://schemas.openxmlformats.org/presentationml/2006/main">
+  <p:cSld>
+    <p:spTree>
+      <p:nvGrpSpPr>
+        <p:cNvPr id="1" name=""/>
+        <p:cNvGrpSpPr/>
+        <p:nvPr/>
+      </p:nvGrpSpPr>
+      <p:grpSpPr>
+        <a:xfrm>
+          <a:off x="0" y="0"/>
+          <a:ext cx="0" cy="0"/>
+          <a:chOff x="0" y="0"/>
+          <a:chExt cx="0" cy="0"/>
+        </a:xfrm>
+      </p:grpSpPr>
+      <p:sp>
+        <p:nvSpPr>
+          <p:cNvPr id="3" name="Tekstfelt 2"/>
+          <p:cNvSpPr txBox="1"/>
+          <p:nvPr/>
+        </p:nvSpPr>
+        <p:spPr>
+          <a:xfrm>
+            <a:off x="1004636" y="1018940"/>
+            <a:ext cx="10094495" cy="2800767"/>
+          </a:xfrm>
+          <a:prstGeom prst="rect">
+            <a:avLst/>
+          </a:prstGeom>
+          <a:noFill/>
+        </p:spPr>
+        <p:txBody>
+          <a:bodyPr wrap="square" rtlCol="0">
+            <a:spAutoFit/>
+          </a:bodyPr>
+          <a:lstStyle/>
+          <a:p>
+            <a:endParaRPr lang="en-US" sz="2400" b="1">
+              <a:latin typeface="Consolas" panose="020B0609020204030204" pitchFamily="49" charset="0"/>
+            </a:endParaRPr>
+          </a:p>
+          <a:p>
+            <a:r>
+              <a:rPr lang="da-DK" sz="3600" b="1" smtClean="0">
+                <a:solidFill>
+                  <a:schemeClr val="accent6">
+                    <a:lumMod val="75000"/>
+                  </a:schemeClr>
+                </a:solidFill>
+                <a:latin typeface="Consolas" panose="020B0609020204030204" pitchFamily="49" charset="0"/>
+              </a:rPr>
+              <a:t>ISubject</a:t>
+            </a:r>
+            <a:r>
+              <a:rPr lang="da-DK" sz="3600" b="1" smtClean="0">
+                <a:latin typeface="Consolas" panose="020B0609020204030204" pitchFamily="49" charset="0"/>
+              </a:rPr>
+              <a:t> s </a:t>
+            </a:r>
+            <a:r>
+              <a:rPr lang="da-DK" sz="3600" b="1">
+                <a:latin typeface="Consolas" panose="020B0609020204030204" pitchFamily="49" charset="0"/>
+              </a:rPr>
+              <a:t>= </a:t>
+            </a:r>
+            <a:r>
+              <a:rPr lang="da-DK" sz="3600" b="1">
+                <a:solidFill>
+                  <a:srgbClr val="0070C0"/>
+                </a:solidFill>
+                <a:latin typeface="Consolas" panose="020B0609020204030204" pitchFamily="49" charset="0"/>
+              </a:rPr>
+              <a:t>new</a:t>
+            </a:r>
+            <a:r>
+              <a:rPr lang="da-DK" sz="3600" b="1">
+                <a:latin typeface="Consolas" panose="020B0609020204030204" pitchFamily="49" charset="0"/>
+              </a:rPr>
+              <a:t> </a:t>
+            </a:r>
+            <a:r>
+              <a:rPr lang="da-DK" sz="3600" b="1" smtClean="0">
+                <a:solidFill>
+                  <a:schemeClr val="accent6">
+                    <a:lumMod val="75000"/>
+                  </a:schemeClr>
+                </a:solidFill>
+                <a:latin typeface="Consolas" panose="020B0609020204030204" pitchFamily="49" charset="0"/>
+              </a:rPr>
+              <a:t>SubjectProxyVirtual</a:t>
+            </a:r>
+            <a:r>
+              <a:rPr lang="da-DK" sz="3600" b="1" smtClean="0">
+                <a:latin typeface="Consolas" panose="020B0609020204030204" pitchFamily="49" charset="0"/>
+              </a:rPr>
+              <a:t>();</a:t>
+            </a:r>
+          </a:p>
+          <a:p>
+            <a:r>
+              <a:rPr lang="da-DK" sz="3600" b="1">
+                <a:solidFill>
+                  <a:schemeClr val="accent6">
+                    <a:lumMod val="75000"/>
+                  </a:schemeClr>
+                </a:solidFill>
+                <a:latin typeface="Consolas" panose="020B0609020204030204" pitchFamily="49" charset="0"/>
+              </a:rPr>
+              <a:t>Client</a:t>
+            </a:r>
+            <a:r>
+              <a:rPr lang="da-DK" sz="3600" b="1">
+                <a:latin typeface="Consolas" panose="020B0609020204030204" pitchFamily="49" charset="0"/>
+              </a:rPr>
+              <a:t> c = </a:t>
+            </a:r>
+            <a:r>
+              <a:rPr lang="da-DK" sz="3600" b="1">
+                <a:solidFill>
+                  <a:srgbClr val="0070C0"/>
+                </a:solidFill>
+                <a:latin typeface="Consolas" panose="020B0609020204030204" pitchFamily="49" charset="0"/>
+              </a:rPr>
+              <a:t>new</a:t>
+            </a:r>
+            <a:r>
+              <a:rPr lang="da-DK" sz="3600" b="1">
+                <a:latin typeface="Consolas" panose="020B0609020204030204" pitchFamily="49" charset="0"/>
+              </a:rPr>
+              <a:t> </a:t>
+            </a:r>
+            <a:r>
+              <a:rPr lang="da-DK" sz="3600" b="1" smtClean="0">
+                <a:solidFill>
+                  <a:schemeClr val="accent6">
+                    <a:lumMod val="75000"/>
+                  </a:schemeClr>
+                </a:solidFill>
+                <a:latin typeface="Consolas" panose="020B0609020204030204" pitchFamily="49" charset="0"/>
+              </a:rPr>
+              <a:t>Client</a:t>
+            </a:r>
+            <a:r>
+              <a:rPr lang="da-DK" sz="3600" b="1" smtClean="0">
+                <a:latin typeface="Consolas" panose="020B0609020204030204" pitchFamily="49" charset="0"/>
+              </a:rPr>
+              <a:t>(s);</a:t>
+            </a:r>
+          </a:p>
+          <a:p>
+            <a:endParaRPr lang="da-DK" sz="2400" b="1">
+              <a:latin typeface="Consolas" panose="020B0609020204030204" pitchFamily="49" charset="0"/>
+            </a:endParaRPr>
+          </a:p>
+          <a:p>
+            <a:endParaRPr lang="da-DK" sz="2400" b="1">
+              <a:latin typeface="Consolas" panose="020B0609020204030204" pitchFamily="49" charset="0"/>
+            </a:endParaRPr>
+          </a:p>
+          <a:p>
+            <a:endParaRPr lang="da-DK" sz="1600" b="1">
+              <a:latin typeface="Consolas" panose="020B0609020204030204" pitchFamily="49" charset="0"/>
+            </a:endParaRPr>
+          </a:p>
+          <a:p>
+            <a:endParaRPr lang="da-DK" sz="1600" b="1">
+              <a:latin typeface="Consolas" panose="020B0609020204030204" pitchFamily="49" charset="0"/>
+            </a:endParaRPr>
+          </a:p>
+        </p:txBody>
+      </p:sp>
+    </p:spTree>
+    <p:extLst>
+      <p:ext uri="{BB962C8B-B14F-4D97-AF65-F5344CB8AC3E}">
+        <p14:creationId xmlns:p14="http://schemas.microsoft.com/office/powerpoint/2010/main" val="342936625"/>
+      </p:ext>
+    </p:extLst>
+  </p:cSld>
+  <p:clrMapOvr>
+    <a:masterClrMapping/>
+  </p:clrMapOvr>
+  <mc:AlternateContent xmlns:mc="http://schemas.openxmlformats.org/markup-compatibility/2006" xmlns:p14="http://schemas.microsoft.com/office/powerpoint/2010/main">
+    <mc:Choice Requires="p14">
+      <p:transition spd="med" p14:dur="700">
+        <p:fade/>
+      </p:transition>
+    </mc:Choice>
+    <mc:Fallback xmlns="">
+      <p:transition spd="med">
+        <p:fade/>
+      </p:transition>
+    </mc:Fallback>
+  </mc:AlternateContent>
+  <p:timing>
+    <p:tnLst>
+      <p:par>
+        <p:cTn id="1" dur="indefinite" restart="never" nodeType="tmRoot"/>
+      </p:par>
+    </p:tnLst>
+  </p:timing>
+</p:sld>
+</file>
+
+<file path=ppt/slides/slide29.xml><?xml version="1.0" encoding="utf-8"?>
+<p:sld xmlns:a="http://schemas.openxmlformats.org/drawingml/2006/main" xmlns:r="http://schemas.openxmlformats.org/officeDocument/2006/relationships" xmlns:p="http://schemas.openxmlformats.org/presentationml/2006/main">
+  <p:cSld>
+    <p:spTree>
+      <p:nvGrpSpPr>
+        <p:cNvPr id="1" name=""/>
+        <p:cNvGrpSpPr/>
+        <p:nvPr/>
+      </p:nvGrpSpPr>
+      <p:grpSpPr>
+        <a:xfrm>
+          <a:off x="0" y="0"/>
+          <a:ext cx="0" cy="0"/>
+          <a:chOff x="0" y="0"/>
+          <a:chExt cx="0" cy="0"/>
+        </a:xfrm>
+      </p:grpSpPr>
+      <p:sp>
+        <p:nvSpPr>
+          <p:cNvPr id="14" name="Afrundet rektangel 13"/>
+          <p:cNvSpPr/>
+          <p:nvPr/>
+        </p:nvSpPr>
+        <p:spPr>
+          <a:xfrm>
+            <a:off x="6081587" y="3574377"/>
+            <a:ext cx="1800460" cy="1424323"/>
+          </a:xfrm>
+          <a:prstGeom prst="roundRect">
+            <a:avLst/>
+          </a:prstGeom>
+          <a:solidFill>
+            <a:srgbClr val="C00000"/>
+          </a:solidFill>
+        </p:spPr>
+        <p:style>
+          <a:lnRef idx="2">
+            <a:schemeClr val="accent1">
+              <a:shade val="50000"/>
+            </a:schemeClr>
+          </a:lnRef>
+          <a:fillRef idx="1">
+            <a:schemeClr val="accent1"/>
+          </a:fillRef>
+          <a:effectRef idx="0">
+            <a:schemeClr val="accent1"/>
+          </a:effectRef>
+          <a:fontRef idx="minor">
+            <a:schemeClr val="lt1"/>
+          </a:fontRef>
+        </p:style>
+        <p:txBody>
+          <a:bodyPr rtlCol="0" anchor="t"/>
+          <a:lstStyle/>
+          <a:p>
+            <a:pPr algn="ctr"/>
+            <a:endParaRPr lang="da-DK" sz="2800" smtClean="0"/>
+          </a:p>
+        </p:txBody>
+      </p:sp>
+      <p:sp>
+        <p:nvSpPr>
+          <p:cNvPr id="4" name="Afrundet rektangel 3"/>
+          <p:cNvSpPr/>
+          <p:nvPr/>
+        </p:nvSpPr>
+        <p:spPr>
+          <a:xfrm>
+            <a:off x="2495819" y="3421977"/>
+            <a:ext cx="1800460" cy="1424323"/>
+          </a:xfrm>
+          <a:prstGeom prst="roundRect">
+            <a:avLst/>
+          </a:prstGeom>
+          <a:solidFill>
+            <a:schemeClr val="accent6">
+              <a:lumMod val="75000"/>
+            </a:schemeClr>
+          </a:solidFill>
+        </p:spPr>
+        <p:style>
+          <a:lnRef idx="2">
+            <a:schemeClr val="accent1">
+              <a:shade val="50000"/>
+            </a:schemeClr>
+          </a:lnRef>
+          <a:fillRef idx="1">
+            <a:schemeClr val="accent1"/>
+          </a:fillRef>
+          <a:effectRef idx="0">
+            <a:schemeClr val="accent1"/>
+          </a:effectRef>
+          <a:fontRef idx="minor">
+            <a:schemeClr val="lt1"/>
+          </a:fontRef>
+        </p:style>
+        <p:txBody>
+          <a:bodyPr rtlCol="0" anchor="t"/>
+          <a:lstStyle/>
+          <a:p>
+            <a:pPr algn="ctr"/>
+            <a:r>
+              <a:rPr lang="da-DK" sz="3600" smtClean="0"/>
+              <a:t>Client</a:t>
+            </a:r>
+          </a:p>
+        </p:txBody>
+      </p:sp>
+      <p:cxnSp>
+        <p:nvCxnSpPr>
+          <p:cNvPr id="26" name="Vinklet forbindelse 2"/>
+          <p:cNvCxnSpPr>
+            <a:stCxn id="19" idx="2"/>
+            <a:endCxn id="4" idx="0"/>
+          </p:cNvCxnSpPr>
+          <p:nvPr/>
+        </p:nvCxnSpPr>
+        <p:spPr>
+          <a:xfrm flipH="1">
+            <a:off x="3396049" y="1909675"/>
+            <a:ext cx="1632908" cy="1512302"/>
+          </a:xfrm>
+          <a:prstGeom prst="straightConnector1">
+            <a:avLst/>
+          </a:prstGeom>
+          <a:ln w="76200">
+            <a:solidFill>
+              <a:schemeClr val="bg1">
+                <a:lumMod val="50000"/>
+              </a:schemeClr>
+            </a:solidFill>
+            <a:prstDash val="sysDot"/>
+            <a:headEnd w="lg" len="lg"/>
+            <a:tailEnd type="arrow" w="lg" len="lg"/>
+          </a:ln>
+        </p:spPr>
+        <p:style>
+          <a:lnRef idx="1">
+            <a:schemeClr val="accent1"/>
+          </a:lnRef>
+          <a:fillRef idx="0">
+            <a:schemeClr val="accent1"/>
+          </a:fillRef>
+          <a:effectRef idx="0">
+            <a:schemeClr val="accent1"/>
+          </a:effectRef>
+          <a:fontRef idx="minor">
+            <a:schemeClr val="tx1"/>
+          </a:fontRef>
+        </p:style>
+      </p:cxnSp>
+      <p:cxnSp>
+        <p:nvCxnSpPr>
+          <p:cNvPr id="27" name="Vinklet forbindelse 2"/>
+          <p:cNvCxnSpPr>
+            <a:stCxn id="19" idx="2"/>
+            <a:endCxn id="11" idx="0"/>
+          </p:cNvCxnSpPr>
+          <p:nvPr/>
+        </p:nvCxnSpPr>
+        <p:spPr>
+          <a:xfrm>
+            <a:off x="5028957" y="1909675"/>
+            <a:ext cx="1800460" cy="1512302"/>
+          </a:xfrm>
+          <a:prstGeom prst="straightConnector1">
+            <a:avLst/>
+          </a:prstGeom>
+          <a:ln w="76200">
+            <a:solidFill>
+              <a:schemeClr val="bg1">
+                <a:lumMod val="50000"/>
+              </a:schemeClr>
+            </a:solidFill>
+            <a:prstDash val="sysDot"/>
+            <a:headEnd w="lg" len="lg"/>
+            <a:tailEnd type="arrow" w="lg" len="lg"/>
+          </a:ln>
+        </p:spPr>
+        <p:style>
+          <a:lnRef idx="1">
+            <a:schemeClr val="accent1"/>
+          </a:lnRef>
+          <a:fillRef idx="0">
+            <a:schemeClr val="accent1"/>
+          </a:fillRef>
+          <a:effectRef idx="0">
+            <a:schemeClr val="accent1"/>
+          </a:effectRef>
+          <a:fontRef idx="minor">
+            <a:schemeClr val="tx1"/>
+          </a:fontRef>
+        </p:style>
+      </p:cxnSp>
+      <p:sp>
+        <p:nvSpPr>
+          <p:cNvPr id="19" name="Afrundet rektangel 18"/>
+          <p:cNvSpPr/>
+          <p:nvPr/>
+        </p:nvSpPr>
+        <p:spPr>
+          <a:xfrm>
+            <a:off x="3669033" y="824162"/>
+            <a:ext cx="2719848" cy="1085513"/>
+          </a:xfrm>
+          <a:prstGeom prst="roundRect">
+            <a:avLst/>
+          </a:prstGeom>
+          <a:solidFill>
+            <a:schemeClr val="accent2">
+              <a:lumMod val="75000"/>
+            </a:schemeClr>
+          </a:solidFill>
+        </p:spPr>
+        <p:style>
+          <a:lnRef idx="2">
+            <a:schemeClr val="accent1">
+              <a:shade val="50000"/>
+            </a:schemeClr>
+          </a:lnRef>
+          <a:fillRef idx="1">
+            <a:schemeClr val="accent1"/>
+          </a:fillRef>
+          <a:effectRef idx="0">
+            <a:schemeClr val="accent1"/>
+          </a:effectRef>
+          <a:fontRef idx="minor">
+            <a:schemeClr val="lt1"/>
+          </a:fontRef>
+        </p:style>
+        <p:txBody>
+          <a:bodyPr rtlCol="0" anchor="t"/>
+          <a:lstStyle/>
+          <a:p>
+            <a:pPr algn="ctr"/>
+            <a:r>
+              <a:rPr lang="da-DK" sz="3600" smtClean="0"/>
+              <a:t>Configurator</a:t>
+            </a:r>
+          </a:p>
+        </p:txBody>
+      </p:sp>
+      <p:sp>
+        <p:nvSpPr>
+          <p:cNvPr id="11" name="Afrundet rektangel 10"/>
+          <p:cNvSpPr/>
+          <p:nvPr/>
+        </p:nvSpPr>
+        <p:spPr>
+          <a:xfrm>
+            <a:off x="5929187" y="3421977"/>
+            <a:ext cx="1800460" cy="1424323"/>
+          </a:xfrm>
+          <a:prstGeom prst="roundRect">
+            <a:avLst/>
+          </a:prstGeom>
+          <a:solidFill>
+            <a:srgbClr val="C00000"/>
+          </a:solidFill>
+        </p:spPr>
+        <p:style>
+          <a:lnRef idx="2">
+            <a:schemeClr val="accent1">
+              <a:shade val="50000"/>
+            </a:schemeClr>
+          </a:lnRef>
+          <a:fillRef idx="1">
+            <a:schemeClr val="accent1"/>
+          </a:fillRef>
+          <a:effectRef idx="0">
+            <a:schemeClr val="accent1"/>
+          </a:effectRef>
+          <a:fontRef idx="minor">
+            <a:schemeClr val="lt1"/>
+          </a:fontRef>
+        </p:style>
+        <p:txBody>
+          <a:bodyPr rtlCol="0" anchor="t"/>
+          <a:lstStyle/>
+          <a:p>
+            <a:pPr algn="ctr"/>
+            <a:r>
+              <a:rPr lang="da-DK" sz="2800" smtClean="0"/>
+              <a:t>Subject</a:t>
+            </a:r>
+          </a:p>
+          <a:p>
+            <a:pPr algn="ctr"/>
+            <a:r>
+              <a:rPr lang="da-DK" sz="2800" smtClean="0"/>
+              <a:t>Proxy</a:t>
+            </a:r>
+          </a:p>
+          <a:p>
+            <a:pPr algn="ctr"/>
+            <a:r>
+              <a:rPr lang="da-DK" sz="2800" smtClean="0"/>
+              <a:t>…</a:t>
+            </a:r>
+          </a:p>
+        </p:txBody>
+      </p:sp>
+      <p:pic>
+        <p:nvPicPr>
+          <p:cNvPr id="8" name="Picture 2" descr="Billedresultat for lab flask icon"/>
+          <p:cNvPicPr>
+            <a:picLocks noChangeAspect="1" noChangeArrowheads="1"/>
+          </p:cNvPicPr>
+          <p:nvPr/>
+        </p:nvPicPr>
+        <p:blipFill>
+          <a:blip r:embed="rId2" cstate="print">
+            <a:extLst>
+              <a:ext uri="{28A0092B-C50C-407E-A947-70E740481C1C}">
+                <a14:useLocalDpi xmlns:a14="http://schemas.microsoft.com/office/drawing/2010/main" val="0"/>
+              </a:ext>
+            </a:extLst>
+          </a:blip>
+          <a:srcRect/>
+          <a:stretch>
+            <a:fillRect/>
+          </a:stretch>
+        </p:blipFill>
+        <p:spPr bwMode="auto">
+          <a:xfrm>
+            <a:off x="9987446" y="2305037"/>
+            <a:ext cx="1800000" cy="1800000"/>
+          </a:xfrm>
+          <a:prstGeom prst="rect">
+            <a:avLst/>
+          </a:prstGeom>
+          <a:noFill/>
+          <a:extLst>
+            <a:ext uri="{909E8E84-426E-40DD-AFC4-6F175D3DCCD1}">
+              <a14:hiddenFill xmlns:a14="http://schemas.microsoft.com/office/drawing/2010/main">
+                <a:solidFill>
+                  <a:srgbClr val="FFFFFF"/>
+                </a:solidFill>
+              </a14:hiddenFill>
+            </a:ext>
+          </a:extLst>
+        </p:spPr>
+      </p:pic>
+    </p:spTree>
+    <p:extLst>
+      <p:ext uri="{BB962C8B-B14F-4D97-AF65-F5344CB8AC3E}">
+        <p14:creationId xmlns:p14="http://schemas.microsoft.com/office/powerpoint/2010/main" val="2940276035"/>
+      </p:ext>
+    </p:extLst>
+  </p:cSld>
+  <p:clrMapOvr>
+    <a:masterClrMapping/>
+  </p:clrMapOvr>
+  <mc:AlternateContent xmlns:mc="http://schemas.openxmlformats.org/markup-compatibility/2006" xmlns:p14="http://schemas.microsoft.com/office/powerpoint/2010/main">
+    <mc:Choice Requires="p14">
+      <p:transition p14:dur="0"/>
+    </mc:Choice>
+    <mc:Fallback xmlns="">
+      <p:transition/>
+    </mc:Fallback>
+  </mc:AlternateContent>
   <p:timing>
     <p:tnLst>
       <p:par>
@@ -10610,6 +11232,193 @@
       </p:transition>
     </mc:Fallback>
   </mc:AlternateContent>
+  <p:timing>
+    <p:tnLst>
+      <p:par>
+        <p:cTn id="1" dur="indefinite" restart="never" nodeType="tmRoot"/>
+      </p:par>
+    </p:tnLst>
+  </p:timing>
+</p:sld>
+</file>
+
+<file path=ppt/slides/slide30.xml><?xml version="1.0" encoding="utf-8"?>
+<p:sld xmlns:a="http://schemas.openxmlformats.org/drawingml/2006/main" xmlns:r="http://schemas.openxmlformats.org/officeDocument/2006/relationships" xmlns:p="http://schemas.openxmlformats.org/presentationml/2006/main">
+  <p:cSld>
+    <p:spTree>
+      <p:nvGrpSpPr>
+        <p:cNvPr id="1" name=""/>
+        <p:cNvGrpSpPr/>
+        <p:nvPr/>
+      </p:nvGrpSpPr>
+      <p:grpSpPr>
+        <a:xfrm>
+          <a:off x="0" y="0"/>
+          <a:ext cx="0" cy="0"/>
+          <a:chOff x="0" y="0"/>
+          <a:chExt cx="0" cy="0"/>
+        </a:xfrm>
+      </p:grpSpPr>
+      <p:sp>
+        <p:nvSpPr>
+          <p:cNvPr id="2" name="Titel 1"/>
+          <p:cNvSpPr>
+            <a:spLocks noGrp="1"/>
+          </p:cNvSpPr>
+          <p:nvPr>
+            <p:ph type="title"/>
+          </p:nvPr>
+        </p:nvSpPr>
+        <p:spPr/>
+        <p:txBody>
+          <a:bodyPr/>
+          <a:lstStyle/>
+          <a:p>
+            <a:r>
+              <a:rPr lang="da-DK" b="1" smtClean="0"/>
+              <a:t>Proxy vs. Decorator</a:t>
+            </a:r>
+            <a:endParaRPr lang="da-DK" b="1"/>
+          </a:p>
+        </p:txBody>
+      </p:sp>
+      <p:sp>
+        <p:nvSpPr>
+          <p:cNvPr id="3" name="Pladsholder til indhold 2"/>
+          <p:cNvSpPr>
+            <a:spLocks noGrp="1"/>
+          </p:cNvSpPr>
+          <p:nvPr>
+            <p:ph idx="1"/>
+          </p:nvPr>
+        </p:nvSpPr>
+        <p:spPr>
+          <a:xfrm>
+            <a:off x="838200" y="1825625"/>
+            <a:ext cx="5914813" cy="4351338"/>
+          </a:xfrm>
+        </p:spPr>
+        <p:txBody>
+          <a:bodyPr>
+            <a:normAutofit/>
+          </a:bodyPr>
+          <a:lstStyle/>
+          <a:p>
+            <a:r>
+              <a:rPr lang="da-DK" sz="2400" smtClean="0"/>
+              <a:t>Both implement </a:t>
+            </a:r>
+            <a:r>
+              <a:rPr lang="da-DK" sz="2400" b="1" smtClean="0"/>
+              <a:t>same interface </a:t>
+            </a:r>
+            <a:r>
+              <a:rPr lang="da-DK" sz="2400" smtClean="0"/>
+              <a:t>as subject</a:t>
+            </a:r>
+          </a:p>
+          <a:p>
+            <a:r>
+              <a:rPr lang="da-DK" sz="2400" b="1" smtClean="0"/>
+              <a:t>Proxy</a:t>
+            </a:r>
+            <a:r>
+              <a:rPr lang="da-DK" sz="2400" smtClean="0"/>
+              <a:t>: will often be responsible for </a:t>
+            </a:r>
+            <a:r>
+              <a:rPr lang="da-DK" sz="2400" b="1" smtClean="0"/>
+              <a:t>object creation</a:t>
+            </a:r>
+            <a:r>
+              <a:rPr lang="da-DK" sz="2400" smtClean="0"/>
+              <a:t>, either directly or through a factory</a:t>
+            </a:r>
+          </a:p>
+          <a:p>
+            <a:r>
+              <a:rPr lang="da-DK" sz="2400" b="1" smtClean="0"/>
+              <a:t>Decorator</a:t>
+            </a:r>
+            <a:r>
+              <a:rPr lang="da-DK" sz="2400" smtClean="0"/>
+              <a:t>:  will receive an </a:t>
+            </a:r>
+            <a:r>
+              <a:rPr lang="da-DK" sz="2400" b="1" smtClean="0"/>
+              <a:t>already created object </a:t>
+            </a:r>
+            <a:r>
+              <a:rPr lang="da-DK" sz="2400" smtClean="0"/>
+              <a:t>for ”decoration”</a:t>
+            </a:r>
+          </a:p>
+          <a:p>
+            <a:r>
+              <a:rPr lang="da-DK" sz="2400" smtClean="0"/>
+              <a:t>Decorator offers more flexibility w.r.t. run-time configuration</a:t>
+            </a:r>
+          </a:p>
+          <a:p>
+            <a:r>
+              <a:rPr lang="da-DK" sz="2400" smtClean="0"/>
+              <a:t>Scope for Decorator is smaller – no control over object creation</a:t>
+            </a:r>
+            <a:endParaRPr lang="da-DK" sz="2400"/>
+          </a:p>
+        </p:txBody>
+      </p:sp>
+      <p:pic>
+        <p:nvPicPr>
+          <p:cNvPr id="2050" name="Picture 2" descr="Billedresultat for sibling dogs"/>
+          <p:cNvPicPr>
+            <a:picLocks noChangeAspect="1" noChangeArrowheads="1"/>
+          </p:cNvPicPr>
+          <p:nvPr/>
+        </p:nvPicPr>
+        <p:blipFill>
+          <a:blip r:embed="rId2">
+            <a:extLst>
+              <a:ext uri="{28A0092B-C50C-407E-A947-70E740481C1C}">
+                <a14:useLocalDpi xmlns:a14="http://schemas.microsoft.com/office/drawing/2010/main" val="0"/>
+              </a:ext>
+            </a:extLst>
+          </a:blip>
+          <a:srcRect/>
+          <a:stretch>
+            <a:fillRect/>
+          </a:stretch>
+        </p:blipFill>
+        <p:spPr bwMode="auto">
+          <a:xfrm>
+            <a:off x="7291327" y="0"/>
+            <a:ext cx="4900673" cy="6858000"/>
+          </a:xfrm>
+          <a:prstGeom prst="rect">
+            <a:avLst/>
+          </a:prstGeom>
+          <a:noFill/>
+          <a:extLst>
+            <a:ext uri="{909E8E84-426E-40DD-AFC4-6F175D3DCCD1}">
+              <a14:hiddenFill xmlns:a14="http://schemas.microsoft.com/office/drawing/2010/main">
+                <a:solidFill>
+                  <a:srgbClr val="FFFFFF"/>
+                </a:solidFill>
+              </a14:hiddenFill>
+            </a:ext>
+          </a:extLst>
+        </p:spPr>
+      </p:pic>
+    </p:spTree>
+    <p:extLst>
+      <p:ext uri="{BB962C8B-B14F-4D97-AF65-F5344CB8AC3E}">
+        <p14:creationId xmlns:p14="http://schemas.microsoft.com/office/powerpoint/2010/main" val="869177863"/>
+      </p:ext>
+    </p:extLst>
+  </p:cSld>
+  <p:clrMapOvr>
+    <a:masterClrMapping/>
+  </p:clrMapOvr>
   <p:timing>
     <p:tnLst>
       <p:par>
@@ -10739,7 +11548,7 @@
         </p:nvSpPr>
         <p:spPr>
           <a:xfrm>
-            <a:off x="5976910" y="4282195"/>
+            <a:off x="5976910" y="5013715"/>
             <a:ext cx="3347074" cy="918098"/>
           </a:xfrm>
           <a:prstGeom prst="roundRect">
@@ -10785,7 +11594,7 @@
         </p:nvSpPr>
         <p:spPr>
           <a:xfrm>
-            <a:off x="5976910" y="1336979"/>
+            <a:off x="5976910" y="605459"/>
             <a:ext cx="3347074" cy="918098"/>
           </a:xfrm>
           <a:prstGeom prst="roundRect">
@@ -10829,10 +11638,133 @@
           </a:p>
         </p:txBody>
       </p:sp>
+      <p:cxnSp>
+        <p:nvCxnSpPr>
+          <p:cNvPr id="6" name="Vinklet forbindelse 2"/>
+          <p:cNvCxnSpPr>
+            <a:stCxn id="10" idx="0"/>
+            <a:endCxn id="18" idx="2"/>
+          </p:cNvCxnSpPr>
+          <p:nvPr/>
+        </p:nvCxnSpPr>
+        <p:spPr>
+          <a:xfrm flipV="1">
+            <a:off x="7650447" y="1523557"/>
+            <a:ext cx="0" cy="1286030"/>
+          </a:xfrm>
+          <a:prstGeom prst="straightConnector1">
+            <a:avLst/>
+          </a:prstGeom>
+          <a:ln w="76200">
+            <a:solidFill>
+              <a:schemeClr val="tx1"/>
+            </a:solidFill>
+            <a:headEnd w="lg" len="lg"/>
+            <a:tailEnd type="triangle" w="lg" len="lg"/>
+          </a:ln>
+        </p:spPr>
+        <p:style>
+          <a:lnRef idx="1">
+            <a:schemeClr val="accent1"/>
+          </a:lnRef>
+          <a:fillRef idx="0">
+            <a:schemeClr val="accent1"/>
+          </a:fillRef>
+          <a:effectRef idx="0">
+            <a:schemeClr val="accent1"/>
+          </a:effectRef>
+          <a:fontRef idx="minor">
+            <a:schemeClr val="tx1"/>
+          </a:fontRef>
+        </p:style>
+      </p:cxnSp>
+      <p:cxnSp>
+        <p:nvCxnSpPr>
+          <p:cNvPr id="9" name="Vinklet forbindelse 2"/>
+          <p:cNvCxnSpPr>
+            <a:stCxn id="8" idx="0"/>
+            <a:endCxn id="10" idx="2"/>
+          </p:cNvCxnSpPr>
+          <p:nvPr/>
+        </p:nvCxnSpPr>
+        <p:spPr>
+          <a:xfrm flipV="1">
+            <a:off x="7650447" y="3727685"/>
+            <a:ext cx="0" cy="1286030"/>
+          </a:xfrm>
+          <a:prstGeom prst="straightConnector1">
+            <a:avLst/>
+          </a:prstGeom>
+          <a:ln w="76200">
+            <a:solidFill>
+              <a:schemeClr val="tx1"/>
+            </a:solidFill>
+            <a:headEnd w="lg" len="lg"/>
+            <a:tailEnd type="triangle" w="lg" len="lg"/>
+          </a:ln>
+        </p:spPr>
+        <p:style>
+          <a:lnRef idx="1">
+            <a:schemeClr val="accent1"/>
+          </a:lnRef>
+          <a:fillRef idx="0">
+            <a:schemeClr val="accent1"/>
+          </a:fillRef>
+          <a:effectRef idx="0">
+            <a:schemeClr val="accent1"/>
+          </a:effectRef>
+          <a:fontRef idx="minor">
+            <a:schemeClr val="tx1"/>
+          </a:fontRef>
+        </p:style>
+      </p:cxnSp>
+      <p:cxnSp>
+        <p:nvCxnSpPr>
+          <p:cNvPr id="13" name="Vinklet forbindelse 2"/>
+          <p:cNvCxnSpPr>
+            <a:stCxn id="4" idx="3"/>
+            <a:endCxn id="18" idx="1"/>
+          </p:cNvCxnSpPr>
+          <p:nvPr/>
+        </p:nvCxnSpPr>
+        <p:spPr>
+          <a:xfrm flipV="1">
+            <a:off x="3466857" y="1064508"/>
+            <a:ext cx="2510053" cy="2204128"/>
+          </a:xfrm>
+          <a:prstGeom prst="straightConnector1">
+            <a:avLst/>
+          </a:prstGeom>
+          <a:ln w="76200">
+            <a:solidFill>
+              <a:schemeClr val="bg1">
+                <a:lumMod val="50000"/>
+              </a:schemeClr>
+            </a:solidFill>
+            <a:prstDash val="sysDot"/>
+            <a:headEnd w="lg" len="lg"/>
+            <a:tailEnd type="arrow" w="lg" len="lg"/>
+          </a:ln>
+        </p:spPr>
+        <p:style>
+          <a:lnRef idx="1">
+            <a:schemeClr val="accent1"/>
+          </a:lnRef>
+          <a:fillRef idx="0">
+            <a:schemeClr val="accent1"/>
+          </a:fillRef>
+          <a:effectRef idx="0">
+            <a:schemeClr val="accent1"/>
+          </a:effectRef>
+          <a:fontRef idx="minor">
+            <a:schemeClr val="tx1"/>
+          </a:fontRef>
+        </p:style>
+      </p:cxnSp>
     </p:spTree>
     <p:extLst>
       <p:ext uri="{BB962C8B-B14F-4D97-AF65-F5344CB8AC3E}">
-        <p14:creationId xmlns:p14="http://schemas.microsoft.com/office/powerpoint/2010/main" val="1854217682"/>
+        <p14:creationId xmlns:p14="http://schemas.microsoft.com/office/powerpoint/2010/main" val="4165429676"/>
       </p:ext>
     </p:extLst>
   </p:cSld>
@@ -10850,250 +11782,9 @@
   <p:timing>
     <p:tnLst>
       <p:par>
-        <p:cTn id="1" dur="indefinite" restart="never" nodeType="tmRoot">
-          <p:childTnLst>
-            <p:seq concurrent="1" nextAc="seek">
-              <p:cTn id="2" dur="indefinite" nodeType="mainSeq">
-                <p:childTnLst>
-                  <p:par>
-                    <p:cTn id="3" fill="hold">
-                      <p:stCondLst>
-                        <p:cond delay="indefinite"/>
-                      </p:stCondLst>
-                      <p:childTnLst>
-                        <p:par>
-                          <p:cTn id="4" fill="hold">
-                            <p:stCondLst>
-                              <p:cond delay="0"/>
-                            </p:stCondLst>
-                            <p:childTnLst>
-                              <p:par>
-                                <p:cTn id="5" presetID="10" presetClass="entr" presetSubtype="0" fill="hold" grpId="0" nodeType="clickEffect">
-                                  <p:stCondLst>
-                                    <p:cond delay="0"/>
-                                  </p:stCondLst>
-                                  <p:childTnLst>
-                                    <p:set>
-                                      <p:cBhvr>
-                                        <p:cTn id="6" dur="1" fill="hold">
-                                          <p:stCondLst>
-                                            <p:cond delay="0"/>
-                                          </p:stCondLst>
-                                        </p:cTn>
-                                        <p:tgtEl>
-                                          <p:spTgt spid="8"/>
-                                        </p:tgtEl>
-                                        <p:attrNameLst>
-                                          <p:attrName>style.visibility</p:attrName>
-                                        </p:attrNameLst>
-                                      </p:cBhvr>
-                                      <p:to>
-                                        <p:strVal val="visible"/>
-                                      </p:to>
-                                    </p:set>
-                                    <p:animEffect transition="in" filter="fade">
-                                      <p:cBhvr>
-                                        <p:cTn id="7" dur="500"/>
-                                        <p:tgtEl>
-                                          <p:spTgt spid="8"/>
-                                        </p:tgtEl>
-                                      </p:cBhvr>
-                                    </p:animEffect>
-                                  </p:childTnLst>
-                                </p:cTn>
-                              </p:par>
-                            </p:childTnLst>
-                          </p:cTn>
-                        </p:par>
-                      </p:childTnLst>
-                    </p:cTn>
-                  </p:par>
-                  <p:par>
-                    <p:cTn id="8" fill="hold">
-                      <p:stCondLst>
-                        <p:cond delay="indefinite"/>
-                      </p:stCondLst>
-                      <p:childTnLst>
-                        <p:par>
-                          <p:cTn id="9" fill="hold">
-                            <p:stCondLst>
-                              <p:cond delay="0"/>
-                            </p:stCondLst>
-                            <p:childTnLst>
-                              <p:par>
-                                <p:cTn id="10" presetID="10" presetClass="entr" presetSubtype="0" fill="hold" grpId="0" nodeType="clickEffect">
-                                  <p:stCondLst>
-                                    <p:cond delay="0"/>
-                                  </p:stCondLst>
-                                  <p:childTnLst>
-                                    <p:set>
-                                      <p:cBhvr>
-                                        <p:cTn id="11" dur="1" fill="hold">
-                                          <p:stCondLst>
-                                            <p:cond delay="0"/>
-                                          </p:stCondLst>
-                                        </p:cTn>
-                                        <p:tgtEl>
-                                          <p:spTgt spid="10"/>
-                                        </p:tgtEl>
-                                        <p:attrNameLst>
-                                          <p:attrName>style.visibility</p:attrName>
-                                        </p:attrNameLst>
-                                      </p:cBhvr>
-                                      <p:to>
-                                        <p:strVal val="visible"/>
-                                      </p:to>
-                                    </p:set>
-                                    <p:animEffect transition="in" filter="fade">
-                                      <p:cBhvr>
-                                        <p:cTn id="12" dur="500"/>
-                                        <p:tgtEl>
-                                          <p:spTgt spid="10"/>
-                                        </p:tgtEl>
-                                      </p:cBhvr>
-                                    </p:animEffect>
-                                  </p:childTnLst>
-                                </p:cTn>
-                              </p:par>
-                            </p:childTnLst>
-                          </p:cTn>
-                        </p:par>
-                      </p:childTnLst>
-                    </p:cTn>
-                  </p:par>
-                  <p:par>
-                    <p:cTn id="13" fill="hold">
-                      <p:stCondLst>
-                        <p:cond delay="indefinite"/>
-                      </p:stCondLst>
-                      <p:childTnLst>
-                        <p:par>
-                          <p:cTn id="14" fill="hold">
-                            <p:stCondLst>
-                              <p:cond delay="0"/>
-                            </p:stCondLst>
-                            <p:childTnLst>
-                              <p:par>
-                                <p:cTn id="15" presetID="10" presetClass="entr" presetSubtype="0" fill="hold" grpId="0" nodeType="clickEffect">
-                                  <p:stCondLst>
-                                    <p:cond delay="0"/>
-                                  </p:stCondLst>
-                                  <p:childTnLst>
-                                    <p:set>
-                                      <p:cBhvr>
-                                        <p:cTn id="16" dur="1" fill="hold">
-                                          <p:stCondLst>
-                                            <p:cond delay="0"/>
-                                          </p:stCondLst>
-                                        </p:cTn>
-                                        <p:tgtEl>
-                                          <p:spTgt spid="18"/>
-                                        </p:tgtEl>
-                                        <p:attrNameLst>
-                                          <p:attrName>style.visibility</p:attrName>
-                                        </p:attrNameLst>
-                                      </p:cBhvr>
-                                      <p:to>
-                                        <p:strVal val="visible"/>
-                                      </p:to>
-                                    </p:set>
-                                    <p:animEffect transition="in" filter="fade">
-                                      <p:cBhvr>
-                                        <p:cTn id="17" dur="500"/>
-                                        <p:tgtEl>
-                                          <p:spTgt spid="18"/>
-                                        </p:tgtEl>
-                                      </p:cBhvr>
-                                    </p:animEffect>
-                                  </p:childTnLst>
-                                </p:cTn>
-                              </p:par>
-                            </p:childTnLst>
-                          </p:cTn>
-                        </p:par>
-                      </p:childTnLst>
-                    </p:cTn>
-                  </p:par>
-                  <p:par>
-                    <p:cTn id="18" fill="hold">
-                      <p:stCondLst>
-                        <p:cond delay="indefinite"/>
-                      </p:stCondLst>
-                      <p:childTnLst>
-                        <p:par>
-                          <p:cTn id="19" fill="hold">
-                            <p:stCondLst>
-                              <p:cond delay="0"/>
-                            </p:stCondLst>
-                            <p:childTnLst>
-                              <p:par>
-                                <p:cTn id="20" presetID="10" presetClass="entr" presetSubtype="0" fill="hold" grpId="0" nodeType="clickEffect">
-                                  <p:stCondLst>
-                                    <p:cond delay="0"/>
-                                  </p:stCondLst>
-                                  <p:childTnLst>
-                                    <p:set>
-                                      <p:cBhvr>
-                                        <p:cTn id="21" dur="1" fill="hold">
-                                          <p:stCondLst>
-                                            <p:cond delay="0"/>
-                                          </p:stCondLst>
-                                        </p:cTn>
-                                        <p:tgtEl>
-                                          <p:spTgt spid="4"/>
-                                        </p:tgtEl>
-                                        <p:attrNameLst>
-                                          <p:attrName>style.visibility</p:attrName>
-                                        </p:attrNameLst>
-                                      </p:cBhvr>
-                                      <p:to>
-                                        <p:strVal val="visible"/>
-                                      </p:to>
-                                    </p:set>
-                                    <p:animEffect transition="in" filter="fade">
-                                      <p:cBhvr>
-                                        <p:cTn id="22" dur="500"/>
-                                        <p:tgtEl>
-                                          <p:spTgt spid="4"/>
-                                        </p:tgtEl>
-                                      </p:cBhvr>
-                                    </p:animEffect>
-                                  </p:childTnLst>
-                                </p:cTn>
-                              </p:par>
-                            </p:childTnLst>
-                          </p:cTn>
-                        </p:par>
-                      </p:childTnLst>
-                    </p:cTn>
-                  </p:par>
-                </p:childTnLst>
-              </p:cTn>
-              <p:prevCondLst>
-                <p:cond evt="onPrev" delay="0">
-                  <p:tgtEl>
-                    <p:sldTgt/>
-                  </p:tgtEl>
-                </p:cond>
-              </p:prevCondLst>
-              <p:nextCondLst>
-                <p:cond evt="onNext" delay="0">
-                  <p:tgtEl>
-                    <p:sldTgt/>
-                  </p:tgtEl>
-                </p:cond>
-              </p:nextCondLst>
-            </p:seq>
-          </p:childTnLst>
-        </p:cTn>
+        <p:cTn id="1" dur="indefinite" restart="never" nodeType="tmRoot"/>
       </p:par>
     </p:tnLst>
-    <p:bldLst>
-      <p:bldP spid="10" grpId="0" animBg="1"/>
-      <p:bldP spid="4" grpId="0" animBg="1"/>
-      <p:bldP spid="8" grpId="0" animBg="1"/>
-      <p:bldP spid="18" grpId="0" animBg="1"/>
-    </p:bldLst>
   </p:timing>
 </p:sld>
 </file>
@@ -11578,7 +12269,7 @@
         <p:spPr>
           <a:xfrm>
             <a:off x="962526" y="1012925"/>
-            <a:ext cx="10094495" cy="1938992"/>
+            <a:ext cx="10094495" cy="2677656"/>
           </a:xfrm>
           <a:prstGeom prst="rect">
             <a:avLst/>
@@ -11592,7 +12283,7 @@
           <a:lstStyle/>
           <a:p>
             <a:r>
-              <a:rPr lang="da-DK" sz="2400" b="1" smtClean="0">
+              <a:rPr lang="da-DK" sz="3600" b="1" smtClean="0">
                 <a:solidFill>
                   <a:srgbClr val="0070C0"/>
                 </a:solidFill>
@@ -11601,7 +12292,7 @@
               <a:t>public </a:t>
             </a:r>
             <a:r>
-              <a:rPr lang="da-DK" sz="2400" b="1">
+              <a:rPr lang="da-DK" sz="3600" b="1">
                 <a:solidFill>
                   <a:srgbClr val="0070C0"/>
                 </a:solidFill>
@@ -11610,7 +12301,7 @@
               <a:t>interface </a:t>
             </a:r>
             <a:r>
-              <a:rPr lang="da-DK" sz="2400" b="1">
+              <a:rPr lang="da-DK" sz="3600" b="1">
                 <a:solidFill>
                   <a:schemeClr val="accent6">
                     <a:lumMod val="75000"/>
@@ -11623,24 +12314,24 @@
           </a:p>
           <a:p>
             <a:r>
-              <a:rPr lang="da-DK" sz="2400" b="1" smtClean="0">
+              <a:rPr lang="da-DK" sz="3600" b="1" smtClean="0">
                 <a:latin typeface="Consolas" panose="020B0609020204030204" pitchFamily="49" charset="0"/>
               </a:rPr>
               <a:t>{</a:t>
             </a:r>
-            <a:endParaRPr lang="da-DK" sz="2400" b="1">
+            <a:endParaRPr lang="da-DK" sz="3600" b="1">
               <a:latin typeface="Consolas" panose="020B0609020204030204" pitchFamily="49" charset="0"/>
             </a:endParaRPr>
           </a:p>
           <a:p>
             <a:r>
-              <a:rPr lang="da-DK" sz="2400" b="1" smtClean="0">
+              <a:rPr lang="da-DK" sz="3600" b="1" smtClean="0">
                 <a:latin typeface="Consolas" panose="020B0609020204030204" pitchFamily="49" charset="0"/>
               </a:rPr>
               <a:t>   </a:t>
             </a:r>
             <a:r>
-              <a:rPr lang="da-DK" sz="2400" b="1">
+              <a:rPr lang="da-DK" sz="3600" b="1">
                 <a:solidFill>
                   <a:srgbClr val="0070C0"/>
                 </a:solidFill>
@@ -11649,19 +12340,19 @@
               <a:t>int</a:t>
             </a:r>
             <a:r>
-              <a:rPr lang="da-DK" sz="2400" b="1" smtClean="0">
+              <a:rPr lang="da-DK" sz="3600" b="1" smtClean="0">
                 <a:latin typeface="Consolas" panose="020B0609020204030204" pitchFamily="49" charset="0"/>
               </a:rPr>
               <a:t> </a:t>
             </a:r>
             <a:r>
-              <a:rPr lang="da-DK" sz="2400" b="1">
+              <a:rPr lang="da-DK" sz="3600" b="1">
                 <a:latin typeface="Consolas" panose="020B0609020204030204" pitchFamily="49" charset="0"/>
               </a:rPr>
               <a:t>Calculate(</a:t>
             </a:r>
             <a:r>
-              <a:rPr lang="da-DK" sz="2400" b="1">
+              <a:rPr lang="da-DK" sz="3600" b="1">
                 <a:solidFill>
                   <a:schemeClr val="accent6">
                     <a:lumMod val="75000"/>
@@ -11672,7 +12363,7 @@
               <a:t>Context</a:t>
             </a:r>
             <a:r>
-              <a:rPr lang="da-DK" sz="2400" b="1">
+              <a:rPr lang="da-DK" sz="3600" b="1">
                 <a:latin typeface="Consolas" panose="020B0609020204030204" pitchFamily="49" charset="0"/>
               </a:rPr>
               <a:t> c);</a:t>
@@ -11680,7 +12371,7 @@
           </a:p>
           <a:p>
             <a:r>
-              <a:rPr lang="da-DK" sz="2400" b="1" smtClean="0">
+              <a:rPr lang="da-DK" sz="3600" b="1" smtClean="0">
                 <a:latin typeface="Consolas" panose="020B0609020204030204" pitchFamily="49" charset="0"/>
               </a:rPr>
               <a:t>}</a:t>
@@ -11747,7 +12438,7 @@
         <p:spPr>
           <a:xfrm>
             <a:off x="962526" y="1012925"/>
-            <a:ext cx="10094495" cy="3046988"/>
+            <a:ext cx="10094495" cy="4339650"/>
           </a:xfrm>
           <a:prstGeom prst="rect">
             <a:avLst/>
@@ -11761,7 +12452,7 @@
           <a:lstStyle/>
           <a:p>
             <a:r>
-              <a:rPr lang="da-DK" sz="2400" b="1" smtClean="0">
+              <a:rPr lang="da-DK" sz="3600" b="1" smtClean="0">
                 <a:solidFill>
                   <a:srgbClr val="0070C0"/>
                 </a:solidFill>
@@ -11770,7 +12461,7 @@
               <a:t>public </a:t>
             </a:r>
             <a:r>
-              <a:rPr lang="da-DK" sz="2400" b="1">
+              <a:rPr lang="da-DK" sz="3600" b="1">
                 <a:solidFill>
                   <a:srgbClr val="0070C0"/>
                 </a:solidFill>
@@ -11779,7 +12470,7 @@
               <a:t>class </a:t>
             </a:r>
             <a:r>
-              <a:rPr lang="da-DK" sz="2400" b="1">
+              <a:rPr lang="da-DK" sz="3600" b="1">
                 <a:solidFill>
                   <a:schemeClr val="accent6">
                     <a:lumMod val="75000"/>
@@ -11790,13 +12481,13 @@
               <a:t>Subject</a:t>
             </a:r>
             <a:r>
-              <a:rPr lang="da-DK" sz="2400" b="1">
+              <a:rPr lang="da-DK" sz="3600" b="1">
                 <a:latin typeface="Consolas" panose="020B0609020204030204" pitchFamily="49" charset="0"/>
               </a:rPr>
               <a:t> : </a:t>
             </a:r>
             <a:r>
-              <a:rPr lang="da-DK" sz="2400" b="1">
+              <a:rPr lang="da-DK" sz="3600" b="1">
                 <a:solidFill>
                   <a:schemeClr val="accent6">
                     <a:lumMod val="75000"/>
@@ -11806,30 +12497,30 @@
               </a:rPr>
               <a:t>ISubject</a:t>
             </a:r>
-            <a:endParaRPr lang="da-DK" sz="2400" b="1">
+            <a:endParaRPr lang="da-DK" sz="3600" b="1">
               <a:latin typeface="Consolas" panose="020B0609020204030204" pitchFamily="49" charset="0"/>
             </a:endParaRPr>
           </a:p>
           <a:p>
             <a:r>
-              <a:rPr lang="da-DK" sz="2400" b="1" smtClean="0">
+              <a:rPr lang="da-DK" sz="3600" b="1" smtClean="0">
                 <a:latin typeface="Consolas" panose="020B0609020204030204" pitchFamily="49" charset="0"/>
               </a:rPr>
               <a:t>{</a:t>
             </a:r>
-            <a:endParaRPr lang="da-DK" sz="2400" b="1">
+            <a:endParaRPr lang="da-DK" sz="3600" b="1">
               <a:latin typeface="Consolas" panose="020B0609020204030204" pitchFamily="49" charset="0"/>
             </a:endParaRPr>
           </a:p>
           <a:p>
             <a:r>
-              <a:rPr lang="da-DK" sz="2400" b="1" smtClean="0">
+              <a:rPr lang="da-DK" sz="3600" b="1" smtClean="0">
                 <a:latin typeface="Consolas" panose="020B0609020204030204" pitchFamily="49" charset="0"/>
               </a:rPr>
               <a:t>   </a:t>
             </a:r>
             <a:r>
-              <a:rPr lang="da-DK" sz="2400" b="1" smtClean="0">
+              <a:rPr lang="da-DK" sz="3600" b="1" smtClean="0">
                 <a:solidFill>
                   <a:srgbClr val="0070C0"/>
                 </a:solidFill>
@@ -11838,13 +12529,13 @@
               <a:t>public</a:t>
             </a:r>
             <a:r>
-              <a:rPr lang="da-DK" sz="2400" b="1" smtClean="0">
+              <a:rPr lang="da-DK" sz="3600" b="1" smtClean="0">
                 <a:latin typeface="Consolas" panose="020B0609020204030204" pitchFamily="49" charset="0"/>
               </a:rPr>
               <a:t> </a:t>
             </a:r>
             <a:r>
-              <a:rPr lang="da-DK" sz="2400" b="1">
+              <a:rPr lang="da-DK" sz="3600" b="1">
                 <a:solidFill>
                   <a:srgbClr val="0070C0"/>
                 </a:solidFill>
@@ -11853,13 +12544,13 @@
               <a:t>int </a:t>
             </a:r>
             <a:r>
-              <a:rPr lang="da-DK" sz="2400" b="1" smtClean="0">
+              <a:rPr lang="da-DK" sz="3600" b="1" smtClean="0">
                 <a:latin typeface="Consolas" panose="020B0609020204030204" pitchFamily="49" charset="0"/>
               </a:rPr>
               <a:t>Calculate(</a:t>
             </a:r>
             <a:r>
-              <a:rPr lang="da-DK" sz="2400" b="1" smtClean="0">
+              <a:rPr lang="da-DK" sz="3600" b="1" smtClean="0">
                 <a:solidFill>
                   <a:schemeClr val="accent6">
                     <a:lumMod val="75000"/>
@@ -11870,47 +12561,47 @@
               <a:t>Context</a:t>
             </a:r>
             <a:r>
-              <a:rPr lang="da-DK" sz="2400" b="1" smtClean="0">
+              <a:rPr lang="da-DK" sz="3600" b="1" smtClean="0">
                 <a:latin typeface="Consolas" panose="020B0609020204030204" pitchFamily="49" charset="0"/>
               </a:rPr>
               <a:t> </a:t>
             </a:r>
             <a:r>
-              <a:rPr lang="da-DK" sz="2400" b="1">
+              <a:rPr lang="da-DK" sz="3600" b="1">
                 <a:latin typeface="Consolas" panose="020B0609020204030204" pitchFamily="49" charset="0"/>
               </a:rPr>
               <a:t>c</a:t>
             </a:r>
             <a:r>
-              <a:rPr lang="da-DK" sz="2400" b="1" smtClean="0">
+              <a:rPr lang="da-DK" sz="3600" b="1" smtClean="0">
                 <a:latin typeface="Consolas" panose="020B0609020204030204" pitchFamily="49" charset="0"/>
               </a:rPr>
               <a:t>)</a:t>
             </a:r>
-            <a:endParaRPr lang="da-DK" sz="2400" b="1">
+            <a:endParaRPr lang="da-DK" sz="3600" b="1">
               <a:latin typeface="Consolas" panose="020B0609020204030204" pitchFamily="49" charset="0"/>
             </a:endParaRPr>
           </a:p>
           <a:p>
             <a:r>
-              <a:rPr lang="da-DK" sz="2400" b="1" smtClean="0">
+              <a:rPr lang="da-DK" sz="3600" b="1" smtClean="0">
                 <a:latin typeface="Consolas" panose="020B0609020204030204" pitchFamily="49" charset="0"/>
               </a:rPr>
               <a:t>   {</a:t>
             </a:r>
-            <a:endParaRPr lang="da-DK" sz="2400" b="1">
+            <a:endParaRPr lang="da-DK" sz="3600" b="1">
               <a:latin typeface="Consolas" panose="020B0609020204030204" pitchFamily="49" charset="0"/>
             </a:endParaRPr>
           </a:p>
           <a:p>
             <a:r>
-              <a:rPr lang="da-DK" sz="2400" b="1" smtClean="0">
+              <a:rPr lang="da-DK" sz="3600" b="1" smtClean="0">
                 <a:latin typeface="Consolas" panose="020B0609020204030204" pitchFamily="49" charset="0"/>
               </a:rPr>
               <a:t>      </a:t>
             </a:r>
             <a:r>
-              <a:rPr lang="da-DK" sz="2400" b="1">
+              <a:rPr lang="da-DK" sz="3600" b="1">
                 <a:solidFill>
                   <a:schemeClr val="accent6">
                     <a:lumMod val="75000"/>
@@ -11923,23 +12614,23 @@
           </a:p>
           <a:p>
             <a:r>
-              <a:rPr lang="da-DK" sz="2400" b="1" smtClean="0">
+              <a:rPr lang="da-DK" sz="3600" b="1" smtClean="0">
                 <a:latin typeface="Consolas" panose="020B0609020204030204" pitchFamily="49" charset="0"/>
               </a:rPr>
               <a:t>   }</a:t>
             </a:r>
-            <a:endParaRPr lang="da-DK" sz="2400" b="1">
+            <a:endParaRPr lang="da-DK" sz="3600" b="1">
               <a:latin typeface="Consolas" panose="020B0609020204030204" pitchFamily="49" charset="0"/>
             </a:endParaRPr>
           </a:p>
           <a:p>
             <a:r>
-              <a:rPr lang="da-DK" sz="2400" b="1" smtClean="0">
+              <a:rPr lang="da-DK" sz="3600" b="1" smtClean="0">
                 <a:latin typeface="Consolas" panose="020B0609020204030204" pitchFamily="49" charset="0"/>
               </a:rPr>
               <a:t>}</a:t>
             </a:r>
-            <a:endParaRPr lang="da-DK" sz="2400" b="1">
+            <a:endParaRPr lang="da-DK" sz="3600" b="1">
               <a:latin typeface="Consolas" panose="020B0609020204030204" pitchFamily="49" charset="0"/>
             </a:endParaRPr>
           </a:p>
